--- a/work/福地置业-房源制度V5专用-6月27.pptx
+++ b/work/福地置业-房源制度V5专用-6月27.pptx
@@ -147,33 +147,33 @@
             <p14:sldId id="256"/>
             <p14:sldId id="383"/>
             <p14:sldId id="264"/>
-            <p14:sldId id="409"/>
             <p14:sldId id="448"/>
             <p14:sldId id="265"/>
             <p14:sldId id="295"/>
+            <p14:sldId id="328"/>
             <p14:sldId id="449"/>
             <p14:sldId id="450"/>
             <p14:sldId id="451"/>
             <p14:sldId id="351"/>
             <p14:sldId id="267"/>
             <p14:sldId id="452"/>
+            <p14:sldId id="453"/>
             <p14:sldId id="454"/>
             <p14:sldId id="270"/>
             <p14:sldId id="379"/>
+            <p14:sldId id="272"/>
             <p14:sldId id="276"/>
+            <p14:sldId id="434"/>
             <p14:sldId id="455"/>
             <p14:sldId id="380"/>
             <p14:sldId id="381"/>
+            <p14:sldId id="382"/>
             <p14:sldId id="372"/>
             <p14:sldId id="374"/>
             <p14:sldId id="375"/>
             <p14:sldId id="377"/>
-            <p14:sldId id="434"/>
-            <p14:sldId id="453"/>
-            <p14:sldId id="328"/>
-            <p14:sldId id="272"/>
-            <p14:sldId id="382"/>
             <p14:sldId id="293"/>
+            <p14:sldId id="409"/>
           </p14:sldIdLst>
         </p14:section>
       </p14:sectionLst>
